--- a/Energy Demand In Victoria.pptx
+++ b/Energy Demand In Victoria.pptx
@@ -3923,7 +3923,7 @@
         <p:spPr>
           <a:xfrm>
             <a:off x="838200" y="1470991"/>
-            <a:ext cx="10515600" cy="4705972"/>
+            <a:ext cx="10515600" cy="5120640"/>
           </a:xfrm>
         </p:spPr>
         <p:txBody>
@@ -4002,7 +4002,7 @@
             </a:pPr>
             <a:r>
               <a:rPr lang="en-AU" b="1" dirty="0"/>
-              <a:t>Questions:</a:t>
+              <a:t>Business problems and objectives:</a:t>
             </a:r>
           </a:p>
           <a:p>
@@ -4011,7 +4011,7 @@
             </a:pPr>
             <a:r>
               <a:rPr lang="en-AU" sz="2600" dirty="0"/>
-              <a:t>Does electricity demand affected by temperature, solar exposure and rainfall?</a:t>
+              <a:t>Relationship of electricity demand and temperature, solar exposure and rainfall will help to forecast the electricity demand for electricity retail companies.</a:t>
             </a:r>
           </a:p>
           <a:p>
@@ -4020,8 +4020,13 @@
             </a:pPr>
             <a:r>
               <a:rPr lang="en-AU" sz="2600" dirty="0"/>
-              <a:t>Answering this will help to forecast the electricity demand for electricity retail companies.</a:t>
-            </a:r>
+              <a:t>Knowing the electricity demand and growth helps electricity retailer to understand where to focus on </a:t>
+            </a:r>
+            <a:r>
+              <a:rPr lang="en-AU" sz="2600"/>
+              <a:t>sales and marketing</a:t>
+            </a:r>
+            <a:endParaRPr lang="en-AU" sz="2600" dirty="0"/>
           </a:p>
           <a:p>
             <a:pPr marL="0" indent="0">
@@ -6213,9 +6218,12 @@
 </file>
 
 <file path=customXml/item1.xml><?xml version="1.0" encoding="utf-8"?>
-<p:properties xmlns:p="http://schemas.microsoft.com/office/2006/metadata/properties" xmlns:xsi="http://www.w3.org/2001/XMLSchema-instance" xmlns:pc="http://schemas.microsoft.com/office/infopath/2007/PartnerControls">
-  <documentManagement/>
-</p:properties>
+<?mso-contentType ?>
+<FormTemplates xmlns="http://schemas.microsoft.com/sharepoint/v3/contenttype/forms">
+  <Display>DocumentLibraryForm</Display>
+  <Edit>DocumentLibraryForm</Edit>
+  <New>DocumentLibraryForm</New>
+</FormTemplates>
 </file>
 
 <file path=customXml/item2.xml><?xml version="1.0" encoding="utf-8"?>
@@ -6442,27 +6450,15 @@
 </file>
 
 <file path=customXml/item3.xml><?xml version="1.0" encoding="utf-8"?>
-<?mso-contentType ?>
-<FormTemplates xmlns="http://schemas.microsoft.com/sharepoint/v3/contenttype/forms">
-  <Display>DocumentLibraryForm</Display>
-  <Edit>DocumentLibraryForm</Edit>
-  <New>DocumentLibraryForm</New>
-</FormTemplates>
+<p:properties xmlns:p="http://schemas.microsoft.com/office/2006/metadata/properties" xmlns:xsi="http://www.w3.org/2001/XMLSchema-instance" xmlns:pc="http://schemas.microsoft.com/office/infopath/2007/PartnerControls">
+  <documentManagement/>
+</p:properties>
 </file>
 
 <file path=customXml/itemProps1.xml><?xml version="1.0" encoding="utf-8"?>
-<ds:datastoreItem xmlns:ds="http://schemas.openxmlformats.org/officeDocument/2006/customXml" ds:itemID="{D948B4E9-8FDB-4CF6-BB5B-640855315E6F}">
+<ds:datastoreItem xmlns:ds="http://schemas.openxmlformats.org/officeDocument/2006/customXml" ds:itemID="{FA252334-705E-4AC0-9F4C-04876AFC8FDE}">
   <ds:schemaRefs>
-    <ds:schemaRef ds:uri="http://purl.org/dc/elements/1.1/"/>
-    <ds:schemaRef ds:uri="http://schemas.microsoft.com/office/2006/documentManagement/types"/>
-    <ds:schemaRef ds:uri="http://purl.org/dc/dcmitype/"/>
-    <ds:schemaRef ds:uri="http://purl.org/dc/terms/"/>
-    <ds:schemaRef ds:uri="http://schemas.microsoft.com/office/2006/metadata/properties"/>
-    <ds:schemaRef ds:uri="http://www.w3.org/XML/1998/namespace"/>
-    <ds:schemaRef ds:uri="1adeb048-267d-4a84-abfa-7db00b6784a1"/>
-    <ds:schemaRef ds:uri="37131f3e-0989-4fa1-a557-0e693b5133ca"/>
-    <ds:schemaRef ds:uri="http://schemas.microsoft.com/office/infopath/2007/PartnerControls"/>
-    <ds:schemaRef ds:uri="http://schemas.openxmlformats.org/package/2006/metadata/core-properties"/>
+    <ds:schemaRef ds:uri="http://schemas.microsoft.com/sharepoint/v3/contenttype/forms"/>
   </ds:schemaRefs>
 </ds:datastoreItem>
 </file>
@@ -6487,9 +6483,18 @@
 </file>
 
 <file path=customXml/itemProps3.xml><?xml version="1.0" encoding="utf-8"?>
-<ds:datastoreItem xmlns:ds="http://schemas.openxmlformats.org/officeDocument/2006/customXml" ds:itemID="{FA252334-705E-4AC0-9F4C-04876AFC8FDE}">
+<ds:datastoreItem xmlns:ds="http://schemas.openxmlformats.org/officeDocument/2006/customXml" ds:itemID="{D948B4E9-8FDB-4CF6-BB5B-640855315E6F}">
   <ds:schemaRefs>
-    <ds:schemaRef ds:uri="http://schemas.microsoft.com/sharepoint/v3/contenttype/forms"/>
+    <ds:schemaRef ds:uri="http://purl.org/dc/elements/1.1/"/>
+    <ds:schemaRef ds:uri="http://schemas.microsoft.com/office/2006/documentManagement/types"/>
+    <ds:schemaRef ds:uri="http://purl.org/dc/dcmitype/"/>
+    <ds:schemaRef ds:uri="http://purl.org/dc/terms/"/>
+    <ds:schemaRef ds:uri="http://schemas.microsoft.com/office/2006/metadata/properties"/>
+    <ds:schemaRef ds:uri="http://www.w3.org/XML/1998/namespace"/>
+    <ds:schemaRef ds:uri="1adeb048-267d-4a84-abfa-7db00b6784a1"/>
+    <ds:schemaRef ds:uri="37131f3e-0989-4fa1-a557-0e693b5133ca"/>
+    <ds:schemaRef ds:uri="http://schemas.microsoft.com/office/infopath/2007/PartnerControls"/>
+    <ds:schemaRef ds:uri="http://schemas.openxmlformats.org/package/2006/metadata/core-properties"/>
   </ds:schemaRefs>
 </ds:datastoreItem>
 </file>